--- a/PRESENTATIONS/2024-11-wot-week/Presentations/2024-11-27-WoT-Conference-Presentation_ChrPaul.pptx
+++ b/PRESENTATIONS/2024-11-wot-week/Presentations/2024-11-27-WoT-Conference-Presentation_ChrPaul.pptx
@@ -12088,7 +12088,7 @@
                   <a:srgbClr val="FFFFFF"/>
                 </a:highlight>
               </a:rPr>
-              <a:t>chrpaul.de</a:t>
+              <a:t>chrpaul.de (hobbyist)</a:t>
             </a:r>
             <a:endParaRPr/>
           </a:p>
